--- a/JIHYEON/kotlin_3.pptx
+++ b/JIHYEON/kotlin_3.pptx
@@ -276,7 +276,7 @@
                 </a:solidFill>
               </a:rPr>
               <a:pPr/>
-              <a:t>2021-03-19</a:t>
+              <a:t>2021-03-20</a:t>
             </a:fld>
             <a:endParaRPr lang="ko-KR" altLang="en-US">
               <a:solidFill>
@@ -506,7 +506,7 @@
                 </a:solidFill>
               </a:rPr>
               <a:pPr/>
-              <a:t>2021-03-19</a:t>
+              <a:t>2021-03-20</a:t>
             </a:fld>
             <a:endParaRPr lang="ko-KR" altLang="en-US">
               <a:solidFill>
@@ -746,7 +746,7 @@
                 </a:solidFill>
               </a:rPr>
               <a:pPr/>
-              <a:t>2021-03-19</a:t>
+              <a:t>2021-03-20</a:t>
             </a:fld>
             <a:endParaRPr lang="ko-KR" altLang="en-US">
               <a:solidFill>
@@ -976,7 +976,7 @@
                 </a:solidFill>
               </a:rPr>
               <a:pPr/>
-              <a:t>2021-03-19</a:t>
+              <a:t>2021-03-20</a:t>
             </a:fld>
             <a:endParaRPr lang="ko-KR" altLang="en-US">
               <a:solidFill>
@@ -1283,7 +1283,7 @@
                 </a:solidFill>
               </a:rPr>
               <a:pPr/>
-              <a:t>2021-03-19</a:t>
+              <a:t>2021-03-20</a:t>
             </a:fld>
             <a:endParaRPr lang="ko-KR" altLang="en-US">
               <a:solidFill>
@@ -1580,7 +1580,7 @@
                 </a:solidFill>
               </a:rPr>
               <a:pPr/>
-              <a:t>2021-03-19</a:t>
+              <a:t>2021-03-20</a:t>
             </a:fld>
             <a:endParaRPr lang="ko-KR" altLang="en-US">
               <a:solidFill>
@@ -2024,7 +2024,7 @@
                 </a:solidFill>
               </a:rPr>
               <a:pPr/>
-              <a:t>2021-03-19</a:t>
+              <a:t>2021-03-20</a:t>
             </a:fld>
             <a:endParaRPr lang="ko-KR" altLang="en-US">
               <a:solidFill>
@@ -2197,7 +2197,7 @@
                 </a:solidFill>
               </a:rPr>
               <a:pPr/>
-              <a:t>2021-03-19</a:t>
+              <a:t>2021-03-20</a:t>
             </a:fld>
             <a:endParaRPr lang="ko-KR" altLang="en-US">
               <a:solidFill>
@@ -2342,7 +2342,7 @@
                 </a:solidFill>
               </a:rPr>
               <a:pPr/>
-              <a:t>2021-03-19</a:t>
+              <a:t>2021-03-20</a:t>
             </a:fld>
             <a:endParaRPr lang="ko-KR" altLang="en-US">
               <a:solidFill>
@@ -2685,7 +2685,7 @@
                 </a:solidFill>
               </a:rPr>
               <a:pPr/>
-              <a:t>2021-03-19</a:t>
+              <a:t>2021-03-20</a:t>
             </a:fld>
             <a:endParaRPr lang="ko-KR" altLang="en-US">
               <a:solidFill>
@@ -3005,7 +3005,7 @@
                 </a:solidFill>
               </a:rPr>
               <a:pPr/>
-              <a:t>2021-03-19</a:t>
+              <a:t>2021-03-20</a:t>
             </a:fld>
             <a:endParaRPr lang="ko-KR" altLang="en-US">
               <a:solidFill>
@@ -3280,7 +3280,7 @@
                 </a:solidFill>
               </a:rPr>
               <a:pPr/>
-              <a:t>2021-03-19</a:t>
+              <a:t>2021-03-20</a:t>
             </a:fld>
             <a:endParaRPr lang="ko-KR" altLang="en-US" dirty="0">
               <a:solidFill>
@@ -8648,6 +8648,1469 @@
           </a:p>
         </p:txBody>
       </p:sp>
+      <p:sp>
+        <p:nvSpPr>
+          <p:cNvPr id="9" name="Rectangle 1">
+            <a:extLst>
+              <a:ext uri="{FF2B5EF4-FFF2-40B4-BE49-F238E27FC236}">
+                <a16:creationId xmlns:a16="http://schemas.microsoft.com/office/drawing/2014/main" id="{4B03C942-3DBE-4664-B3FD-56D4733F4DB1}"/>
+              </a:ext>
+            </a:extLst>
+          </p:cNvPr>
+          <p:cNvSpPr>
+            <a:spLocks noChangeArrowheads="1"/>
+          </p:cNvSpPr>
+          <p:nvPr/>
+        </p:nvSpPr>
+        <p:spPr bwMode="auto">
+          <a:xfrm>
+            <a:off x="609599" y="3363934"/>
+            <a:ext cx="5690304" cy="3323987"/>
+          </a:xfrm>
+          <a:prstGeom prst="rect">
+            <a:avLst/>
+          </a:prstGeom>
+          <a:solidFill>
+            <a:srgbClr val="2B2B2B"/>
+          </a:solidFill>
+          <a:ln>
+            <a:noFill/>
+          </a:ln>
+          <a:effectLst/>
+          <a:extLst>
+            <a:ext uri="{91240B29-F687-4F45-9708-019B960494DF}">
+              <a14:hiddenLine xmlns:a14="http://schemas.microsoft.com/office/drawing/2010/main" w="9525">
+                <a:solidFill>
+                  <a:schemeClr val="tx1"/>
+                </a:solidFill>
+                <a:miter lim="800000"/>
+                <a:headEnd/>
+                <a:tailEnd/>
+              </a14:hiddenLine>
+            </a:ext>
+            <a:ext uri="{AF507438-7753-43E0-B8FC-AC1667EBCBE1}">
+              <a14:hiddenEffects xmlns:a14="http://schemas.microsoft.com/office/drawing/2010/main">
+                <a:effectLst>
+                  <a:outerShdw dist="35921" dir="2700000" algn="ctr" rotWithShape="0">
+                    <a:schemeClr val="bg2"/>
+                  </a:outerShdw>
+                </a:effectLst>
+              </a14:hiddenEffects>
+            </a:ext>
+          </a:extLst>
+        </p:spPr>
+        <p:txBody>
+          <a:bodyPr vert="horz" wrap="square" lIns="91440" tIns="45720" rIns="91440" bIns="45720" numCol="1" anchor="ctr" anchorCtr="0" compatLnSpc="1">
+            <a:prstTxWarp prst="textNoShape">
+              <a:avLst/>
+            </a:prstTxWarp>
+            <a:spAutoFit/>
+          </a:bodyPr>
+          <a:lstStyle/>
+          <a:p>
+            <a:pPr marL="0" marR="0" lvl="0" indent="0" algn="l" defTabSz="914400" rtl="0" eaLnBrk="0" fontAlgn="base" latinLnBrk="0" hangingPunct="0">
+              <a:lnSpc>
+                <a:spcPct val="100000"/>
+              </a:lnSpc>
+              <a:spcBef>
+                <a:spcPct val="0"/>
+              </a:spcBef>
+              <a:spcAft>
+                <a:spcPct val="0"/>
+              </a:spcAft>
+              <a:buClrTx/>
+              <a:buSzTx/>
+              <a:buFontTx/>
+              <a:buNone/>
+              <a:tabLst/>
+            </a:pPr>
+            <a:r>
+              <a:rPr kumimoji="0" lang="ko-KR" altLang="ko-KR" sz="1000" b="0" i="0" u="none" strike="noStrike" cap="none" normalizeH="0" baseline="0" dirty="0" err="1">
+                <a:ln>
+                  <a:noFill/>
+                </a:ln>
+                <a:solidFill>
+                  <a:srgbClr val="CC7832"/>
+                </a:solidFill>
+                <a:effectLst/>
+                <a:latin typeface="Consolas" panose="020B0609020204030204" pitchFamily="49" charset="0"/>
+              </a:rPr>
+              <a:t>import</a:t>
+            </a:r>
+            <a:r>
+              <a:rPr kumimoji="0" lang="ko-KR" altLang="ko-KR" sz="1000" b="0" i="0" u="none" strike="noStrike" cap="none" normalizeH="0" baseline="0" dirty="0">
+                <a:ln>
+                  <a:noFill/>
+                </a:ln>
+                <a:solidFill>
+                  <a:srgbClr val="CC7832"/>
+                </a:solidFill>
+                <a:effectLst/>
+                <a:latin typeface="Consolas" panose="020B0609020204030204" pitchFamily="49" charset="0"/>
+              </a:rPr>
+              <a:t> </a:t>
+            </a:r>
+            <a:r>
+              <a:rPr kumimoji="0" lang="ko-KR" altLang="ko-KR" sz="1000" b="0" i="0" u="none" strike="noStrike" cap="none" normalizeH="0" baseline="0" dirty="0" err="1">
+                <a:ln>
+                  <a:noFill/>
+                </a:ln>
+                <a:solidFill>
+                  <a:srgbClr val="A9B7C6"/>
+                </a:solidFill>
+                <a:effectLst/>
+                <a:latin typeface="Consolas" panose="020B0609020204030204" pitchFamily="49" charset="0"/>
+              </a:rPr>
+              <a:t>kotlin.random.Random</a:t>
+            </a:r>
+            <a:br>
+              <a:rPr kumimoji="0" lang="ko-KR" altLang="ko-KR" sz="1000" b="0" i="0" u="none" strike="noStrike" cap="none" normalizeH="0" baseline="0" dirty="0">
+                <a:ln>
+                  <a:noFill/>
+                </a:ln>
+                <a:solidFill>
+                  <a:srgbClr val="A9B7C6"/>
+                </a:solidFill>
+                <a:effectLst/>
+                <a:latin typeface="Consolas" panose="020B0609020204030204" pitchFamily="49" charset="0"/>
+              </a:rPr>
+            </a:br>
+            <a:r>
+              <a:rPr kumimoji="0" lang="ko-KR" altLang="ko-KR" sz="1000" b="0" i="0" u="none" strike="noStrike" cap="none" normalizeH="0" baseline="0" dirty="0" err="1">
+                <a:ln>
+                  <a:noFill/>
+                </a:ln>
+                <a:solidFill>
+                  <a:srgbClr val="CC7832"/>
+                </a:solidFill>
+                <a:effectLst/>
+                <a:latin typeface="Consolas" panose="020B0609020204030204" pitchFamily="49" charset="0"/>
+              </a:rPr>
+              <a:t>import</a:t>
+            </a:r>
+            <a:r>
+              <a:rPr kumimoji="0" lang="ko-KR" altLang="ko-KR" sz="1000" b="0" i="0" u="none" strike="noStrike" cap="none" normalizeH="0" baseline="0" dirty="0">
+                <a:ln>
+                  <a:noFill/>
+                </a:ln>
+                <a:solidFill>
+                  <a:srgbClr val="CC7832"/>
+                </a:solidFill>
+                <a:effectLst/>
+                <a:latin typeface="Consolas" panose="020B0609020204030204" pitchFamily="49" charset="0"/>
+              </a:rPr>
+              <a:t> </a:t>
+            </a:r>
+            <a:r>
+              <a:rPr kumimoji="0" lang="ko-KR" altLang="ko-KR" sz="1000" b="0" i="0" u="none" strike="noStrike" cap="none" normalizeH="0" baseline="0" dirty="0" err="1">
+                <a:ln>
+                  <a:noFill/>
+                </a:ln>
+                <a:solidFill>
+                  <a:srgbClr val="A9B7C6"/>
+                </a:solidFill>
+                <a:effectLst/>
+                <a:latin typeface="Consolas" panose="020B0609020204030204" pitchFamily="49" charset="0"/>
+              </a:rPr>
+              <a:t>kotlin.random.nextInt</a:t>
+            </a:r>
+            <a:br>
+              <a:rPr kumimoji="0" lang="ko-KR" altLang="ko-KR" sz="1000" b="0" i="0" u="none" strike="noStrike" cap="none" normalizeH="0" baseline="0" dirty="0">
+                <a:ln>
+                  <a:noFill/>
+                </a:ln>
+                <a:solidFill>
+                  <a:srgbClr val="A9B7C6"/>
+                </a:solidFill>
+                <a:effectLst/>
+                <a:latin typeface="Consolas" panose="020B0609020204030204" pitchFamily="49" charset="0"/>
+              </a:rPr>
+            </a:br>
+            <a:br>
+              <a:rPr kumimoji="0" lang="ko-KR" altLang="ko-KR" sz="1000" b="0" i="0" u="none" strike="noStrike" cap="none" normalizeH="0" baseline="0" dirty="0">
+                <a:ln>
+                  <a:noFill/>
+                </a:ln>
+                <a:solidFill>
+                  <a:srgbClr val="A9B7C6"/>
+                </a:solidFill>
+                <a:effectLst/>
+                <a:latin typeface="Consolas" panose="020B0609020204030204" pitchFamily="49" charset="0"/>
+              </a:rPr>
+            </a:br>
+            <a:r>
+              <a:rPr kumimoji="0" lang="ko-KR" altLang="ko-KR" sz="1000" b="0" i="0" u="none" strike="noStrike" cap="none" normalizeH="0" baseline="0" dirty="0" err="1">
+                <a:ln>
+                  <a:noFill/>
+                </a:ln>
+                <a:solidFill>
+                  <a:srgbClr val="CC7832"/>
+                </a:solidFill>
+                <a:effectLst/>
+                <a:latin typeface="Consolas" panose="020B0609020204030204" pitchFamily="49" charset="0"/>
+              </a:rPr>
+              <a:t>class</a:t>
+            </a:r>
+            <a:r>
+              <a:rPr kumimoji="0" lang="ko-KR" altLang="ko-KR" sz="1000" b="0" i="0" u="none" strike="noStrike" cap="none" normalizeH="0" baseline="0" dirty="0">
+                <a:ln>
+                  <a:noFill/>
+                </a:ln>
+                <a:solidFill>
+                  <a:srgbClr val="CC7832"/>
+                </a:solidFill>
+                <a:effectLst/>
+                <a:latin typeface="Consolas" panose="020B0609020204030204" pitchFamily="49" charset="0"/>
+              </a:rPr>
+              <a:t> </a:t>
+            </a:r>
+            <a:r>
+              <a:rPr kumimoji="0" lang="ko-KR" altLang="ko-KR" sz="1000" b="0" i="0" u="none" strike="noStrike" cap="none" normalizeH="0" baseline="0" dirty="0" err="1">
+                <a:ln>
+                  <a:noFill/>
+                </a:ln>
+                <a:solidFill>
+                  <a:srgbClr val="A9B7C6"/>
+                </a:solidFill>
+                <a:effectLst/>
+                <a:latin typeface="Consolas" panose="020B0609020204030204" pitchFamily="49" charset="0"/>
+              </a:rPr>
+              <a:t>DndCharacter</a:t>
+            </a:r>
+            <a:r>
+              <a:rPr kumimoji="0" lang="ko-KR" altLang="ko-KR" sz="1000" b="0" i="0" u="none" strike="noStrike" cap="none" normalizeH="0" baseline="0" dirty="0">
+                <a:ln>
+                  <a:noFill/>
+                </a:ln>
+                <a:solidFill>
+                  <a:srgbClr val="A9B7C6"/>
+                </a:solidFill>
+                <a:effectLst/>
+                <a:latin typeface="Consolas" panose="020B0609020204030204" pitchFamily="49" charset="0"/>
+              </a:rPr>
+              <a:t> {</a:t>
+            </a:r>
+            <a:br>
+              <a:rPr kumimoji="0" lang="ko-KR" altLang="ko-KR" sz="1000" b="0" i="0" u="none" strike="noStrike" cap="none" normalizeH="0" baseline="0" dirty="0">
+                <a:ln>
+                  <a:noFill/>
+                </a:ln>
+                <a:solidFill>
+                  <a:srgbClr val="A9B7C6"/>
+                </a:solidFill>
+                <a:effectLst/>
+                <a:latin typeface="Consolas" panose="020B0609020204030204" pitchFamily="49" charset="0"/>
+              </a:rPr>
+            </a:br>
+            <a:br>
+              <a:rPr kumimoji="0" lang="ko-KR" altLang="ko-KR" sz="1000" b="0" i="0" u="none" strike="noStrike" cap="none" normalizeH="0" baseline="0" dirty="0">
+                <a:ln>
+                  <a:noFill/>
+                </a:ln>
+                <a:solidFill>
+                  <a:srgbClr val="A9B7C6"/>
+                </a:solidFill>
+                <a:effectLst/>
+                <a:latin typeface="Consolas" panose="020B0609020204030204" pitchFamily="49" charset="0"/>
+              </a:rPr>
+            </a:br>
+            <a:r>
+              <a:rPr kumimoji="0" lang="ko-KR" altLang="ko-KR" sz="1000" b="0" i="0" u="none" strike="noStrike" cap="none" normalizeH="0" baseline="0" dirty="0">
+                <a:ln>
+                  <a:noFill/>
+                </a:ln>
+                <a:solidFill>
+                  <a:srgbClr val="A9B7C6"/>
+                </a:solidFill>
+                <a:effectLst/>
+                <a:latin typeface="Consolas" panose="020B0609020204030204" pitchFamily="49" charset="0"/>
+              </a:rPr>
+              <a:t>    </a:t>
+            </a:r>
+            <a:r>
+              <a:rPr kumimoji="0" lang="ko-KR" altLang="ko-KR" sz="1000" b="0" i="0" u="none" strike="noStrike" cap="none" normalizeH="0" baseline="0" dirty="0" err="1">
+                <a:ln>
+                  <a:noFill/>
+                </a:ln>
+                <a:solidFill>
+                  <a:srgbClr val="CC7832"/>
+                </a:solidFill>
+                <a:effectLst/>
+                <a:latin typeface="Consolas" panose="020B0609020204030204" pitchFamily="49" charset="0"/>
+              </a:rPr>
+              <a:t>val</a:t>
+            </a:r>
+            <a:r>
+              <a:rPr kumimoji="0" lang="ko-KR" altLang="ko-KR" sz="1000" b="0" i="0" u="none" strike="noStrike" cap="none" normalizeH="0" baseline="0" dirty="0">
+                <a:ln>
+                  <a:noFill/>
+                </a:ln>
+                <a:solidFill>
+                  <a:srgbClr val="CC7832"/>
+                </a:solidFill>
+                <a:effectLst/>
+                <a:latin typeface="Consolas" panose="020B0609020204030204" pitchFamily="49" charset="0"/>
+              </a:rPr>
+              <a:t> </a:t>
+            </a:r>
+            <a:r>
+              <a:rPr kumimoji="0" lang="ko-KR" altLang="ko-KR" sz="1000" b="0" i="0" u="none" strike="noStrike" cap="none" normalizeH="0" baseline="0" dirty="0" err="1">
+                <a:ln>
+                  <a:noFill/>
+                </a:ln>
+                <a:solidFill>
+                  <a:srgbClr val="A9B7C6"/>
+                </a:solidFill>
+                <a:effectLst/>
+                <a:latin typeface="Consolas" panose="020B0609020204030204" pitchFamily="49" charset="0"/>
+              </a:rPr>
+              <a:t>strength</a:t>
+            </a:r>
+            <a:r>
+              <a:rPr kumimoji="0" lang="ko-KR" altLang="ko-KR" sz="1000" b="0" i="0" u="none" strike="noStrike" cap="none" normalizeH="0" baseline="0" dirty="0">
+                <a:ln>
+                  <a:noFill/>
+                </a:ln>
+                <a:solidFill>
+                  <a:srgbClr val="A9B7C6"/>
+                </a:solidFill>
+                <a:effectLst/>
+                <a:latin typeface="Consolas" panose="020B0609020204030204" pitchFamily="49" charset="0"/>
+              </a:rPr>
+              <a:t>: </a:t>
+            </a:r>
+            <a:r>
+              <a:rPr kumimoji="0" lang="ko-KR" altLang="ko-KR" sz="1000" b="0" i="0" u="none" strike="noStrike" cap="none" normalizeH="0" baseline="0" dirty="0" err="1">
+                <a:ln>
+                  <a:noFill/>
+                </a:ln>
+                <a:solidFill>
+                  <a:srgbClr val="A9B7C6"/>
+                </a:solidFill>
+                <a:effectLst/>
+                <a:latin typeface="Consolas" panose="020B0609020204030204" pitchFamily="49" charset="0"/>
+              </a:rPr>
+              <a:t>Int</a:t>
+            </a:r>
+            <a:r>
+              <a:rPr kumimoji="0" lang="ko-KR" altLang="ko-KR" sz="1000" b="0" i="0" u="none" strike="noStrike" cap="none" normalizeH="0" baseline="0" dirty="0">
+                <a:ln>
+                  <a:noFill/>
+                </a:ln>
+                <a:solidFill>
+                  <a:srgbClr val="A9B7C6"/>
+                </a:solidFill>
+                <a:effectLst/>
+                <a:latin typeface="Consolas" panose="020B0609020204030204" pitchFamily="49" charset="0"/>
+              </a:rPr>
+              <a:t> = </a:t>
+            </a:r>
+            <a:br>
+              <a:rPr kumimoji="0" lang="ko-KR" altLang="ko-KR" sz="1000" b="0" i="0" u="none" strike="noStrike" cap="none" normalizeH="0" baseline="0" dirty="0">
+                <a:ln>
+                  <a:noFill/>
+                </a:ln>
+                <a:solidFill>
+                  <a:srgbClr val="A9B7C6"/>
+                </a:solidFill>
+                <a:effectLst/>
+                <a:latin typeface="Consolas" panose="020B0609020204030204" pitchFamily="49" charset="0"/>
+              </a:rPr>
+            </a:br>
+            <a:r>
+              <a:rPr kumimoji="0" lang="ko-KR" altLang="ko-KR" sz="1000" b="0" i="0" u="none" strike="noStrike" cap="none" normalizeH="0" baseline="0" dirty="0">
+                <a:ln>
+                  <a:noFill/>
+                </a:ln>
+                <a:solidFill>
+                  <a:srgbClr val="A9B7C6"/>
+                </a:solidFill>
+                <a:effectLst/>
+                <a:latin typeface="Consolas" panose="020B0609020204030204" pitchFamily="49" charset="0"/>
+              </a:rPr>
+              <a:t>    </a:t>
+            </a:r>
+            <a:r>
+              <a:rPr kumimoji="0" lang="ko-KR" altLang="ko-KR" sz="1000" b="0" i="0" u="none" strike="noStrike" cap="none" normalizeH="0" baseline="0" dirty="0" err="1">
+                <a:ln>
+                  <a:noFill/>
+                </a:ln>
+                <a:solidFill>
+                  <a:srgbClr val="CC7832"/>
+                </a:solidFill>
+                <a:effectLst/>
+                <a:latin typeface="Consolas" panose="020B0609020204030204" pitchFamily="49" charset="0"/>
+              </a:rPr>
+              <a:t>val</a:t>
+            </a:r>
+            <a:r>
+              <a:rPr kumimoji="0" lang="ko-KR" altLang="ko-KR" sz="1000" b="0" i="0" u="none" strike="noStrike" cap="none" normalizeH="0" baseline="0" dirty="0">
+                <a:ln>
+                  <a:noFill/>
+                </a:ln>
+                <a:solidFill>
+                  <a:srgbClr val="CC7832"/>
+                </a:solidFill>
+                <a:effectLst/>
+                <a:latin typeface="Consolas" panose="020B0609020204030204" pitchFamily="49" charset="0"/>
+              </a:rPr>
+              <a:t> </a:t>
+            </a:r>
+            <a:r>
+              <a:rPr kumimoji="0" lang="ko-KR" altLang="ko-KR" sz="1000" b="0" i="0" u="none" strike="noStrike" cap="none" normalizeH="0" baseline="0" dirty="0" err="1">
+                <a:ln>
+                  <a:noFill/>
+                </a:ln>
+                <a:solidFill>
+                  <a:srgbClr val="A9B7C6"/>
+                </a:solidFill>
+                <a:effectLst/>
+                <a:latin typeface="Consolas" panose="020B0609020204030204" pitchFamily="49" charset="0"/>
+              </a:rPr>
+              <a:t>dexterity</a:t>
+            </a:r>
+            <a:r>
+              <a:rPr kumimoji="0" lang="ko-KR" altLang="ko-KR" sz="1000" b="0" i="0" u="none" strike="noStrike" cap="none" normalizeH="0" baseline="0" dirty="0">
+                <a:ln>
+                  <a:noFill/>
+                </a:ln>
+                <a:solidFill>
+                  <a:srgbClr val="A9B7C6"/>
+                </a:solidFill>
+                <a:effectLst/>
+                <a:latin typeface="Consolas" panose="020B0609020204030204" pitchFamily="49" charset="0"/>
+              </a:rPr>
+              <a:t>: </a:t>
+            </a:r>
+            <a:r>
+              <a:rPr kumimoji="0" lang="ko-KR" altLang="ko-KR" sz="1000" b="0" i="0" u="none" strike="noStrike" cap="none" normalizeH="0" baseline="0" dirty="0" err="1">
+                <a:ln>
+                  <a:noFill/>
+                </a:ln>
+                <a:solidFill>
+                  <a:srgbClr val="A9B7C6"/>
+                </a:solidFill>
+                <a:effectLst/>
+                <a:latin typeface="Consolas" panose="020B0609020204030204" pitchFamily="49" charset="0"/>
+              </a:rPr>
+              <a:t>Int</a:t>
+            </a:r>
+            <a:r>
+              <a:rPr kumimoji="0" lang="ko-KR" altLang="ko-KR" sz="1000" b="0" i="0" u="none" strike="noStrike" cap="none" normalizeH="0" baseline="0" dirty="0">
+                <a:ln>
+                  <a:noFill/>
+                </a:ln>
+                <a:solidFill>
+                  <a:srgbClr val="A9B7C6"/>
+                </a:solidFill>
+                <a:effectLst/>
+                <a:latin typeface="Consolas" panose="020B0609020204030204" pitchFamily="49" charset="0"/>
+              </a:rPr>
+              <a:t> = </a:t>
+            </a:r>
+            <a:br>
+              <a:rPr kumimoji="0" lang="ko-KR" altLang="ko-KR" sz="1000" b="0" i="0" u="none" strike="noStrike" cap="none" normalizeH="0" baseline="0" dirty="0">
+                <a:ln>
+                  <a:noFill/>
+                </a:ln>
+                <a:solidFill>
+                  <a:srgbClr val="A9B7C6"/>
+                </a:solidFill>
+                <a:effectLst/>
+                <a:latin typeface="Consolas" panose="020B0609020204030204" pitchFamily="49" charset="0"/>
+              </a:rPr>
+            </a:br>
+            <a:r>
+              <a:rPr kumimoji="0" lang="ko-KR" altLang="ko-KR" sz="1000" b="0" i="0" u="none" strike="noStrike" cap="none" normalizeH="0" baseline="0" dirty="0">
+                <a:ln>
+                  <a:noFill/>
+                </a:ln>
+                <a:solidFill>
+                  <a:srgbClr val="A9B7C6"/>
+                </a:solidFill>
+                <a:effectLst/>
+                <a:latin typeface="Consolas" panose="020B0609020204030204" pitchFamily="49" charset="0"/>
+              </a:rPr>
+              <a:t>    </a:t>
+            </a:r>
+            <a:r>
+              <a:rPr kumimoji="0" lang="ko-KR" altLang="ko-KR" sz="1000" b="0" i="0" u="none" strike="noStrike" cap="none" normalizeH="0" baseline="0" dirty="0" err="1">
+                <a:ln>
+                  <a:noFill/>
+                </a:ln>
+                <a:solidFill>
+                  <a:srgbClr val="CC7832"/>
+                </a:solidFill>
+                <a:effectLst/>
+                <a:latin typeface="Consolas" panose="020B0609020204030204" pitchFamily="49" charset="0"/>
+              </a:rPr>
+              <a:t>val</a:t>
+            </a:r>
+            <a:r>
+              <a:rPr kumimoji="0" lang="ko-KR" altLang="ko-KR" sz="1000" b="0" i="0" u="none" strike="noStrike" cap="none" normalizeH="0" baseline="0" dirty="0">
+                <a:ln>
+                  <a:noFill/>
+                </a:ln>
+                <a:solidFill>
+                  <a:srgbClr val="CC7832"/>
+                </a:solidFill>
+                <a:effectLst/>
+                <a:latin typeface="Consolas" panose="020B0609020204030204" pitchFamily="49" charset="0"/>
+              </a:rPr>
+              <a:t> </a:t>
+            </a:r>
+            <a:r>
+              <a:rPr kumimoji="0" lang="ko-KR" altLang="ko-KR" sz="1000" b="0" i="0" u="none" strike="noStrike" cap="none" normalizeH="0" baseline="0" dirty="0" err="1">
+                <a:ln>
+                  <a:noFill/>
+                </a:ln>
+                <a:solidFill>
+                  <a:srgbClr val="A9B7C6"/>
+                </a:solidFill>
+                <a:effectLst/>
+                <a:latin typeface="Consolas" panose="020B0609020204030204" pitchFamily="49" charset="0"/>
+              </a:rPr>
+              <a:t>constitution</a:t>
+            </a:r>
+            <a:r>
+              <a:rPr kumimoji="0" lang="ko-KR" altLang="ko-KR" sz="1000" b="0" i="0" u="none" strike="noStrike" cap="none" normalizeH="0" baseline="0" dirty="0">
+                <a:ln>
+                  <a:noFill/>
+                </a:ln>
+                <a:solidFill>
+                  <a:srgbClr val="A9B7C6"/>
+                </a:solidFill>
+                <a:effectLst/>
+                <a:latin typeface="Consolas" panose="020B0609020204030204" pitchFamily="49" charset="0"/>
+              </a:rPr>
+              <a:t>: </a:t>
+            </a:r>
+            <a:r>
+              <a:rPr kumimoji="0" lang="ko-KR" altLang="ko-KR" sz="1000" b="0" i="0" u="none" strike="noStrike" cap="none" normalizeH="0" baseline="0" dirty="0" err="1">
+                <a:ln>
+                  <a:noFill/>
+                </a:ln>
+                <a:solidFill>
+                  <a:srgbClr val="A9B7C6"/>
+                </a:solidFill>
+                <a:effectLst/>
+                <a:latin typeface="Consolas" panose="020B0609020204030204" pitchFamily="49" charset="0"/>
+              </a:rPr>
+              <a:t>Int</a:t>
+            </a:r>
+            <a:r>
+              <a:rPr kumimoji="0" lang="ko-KR" altLang="ko-KR" sz="1000" b="0" i="0" u="none" strike="noStrike" cap="none" normalizeH="0" baseline="0" dirty="0">
+                <a:ln>
+                  <a:noFill/>
+                </a:ln>
+                <a:solidFill>
+                  <a:srgbClr val="A9B7C6"/>
+                </a:solidFill>
+                <a:effectLst/>
+                <a:latin typeface="Consolas" panose="020B0609020204030204" pitchFamily="49" charset="0"/>
+              </a:rPr>
+              <a:t> = </a:t>
+            </a:r>
+            <a:br>
+              <a:rPr kumimoji="0" lang="ko-KR" altLang="ko-KR" sz="1000" b="0" i="0" u="none" strike="noStrike" cap="none" normalizeH="0" baseline="0" dirty="0">
+                <a:ln>
+                  <a:noFill/>
+                </a:ln>
+                <a:solidFill>
+                  <a:srgbClr val="A9B7C6"/>
+                </a:solidFill>
+                <a:effectLst/>
+                <a:latin typeface="Consolas" panose="020B0609020204030204" pitchFamily="49" charset="0"/>
+              </a:rPr>
+            </a:br>
+            <a:r>
+              <a:rPr kumimoji="0" lang="ko-KR" altLang="ko-KR" sz="1000" b="0" i="0" u="none" strike="noStrike" cap="none" normalizeH="0" baseline="0" dirty="0">
+                <a:ln>
+                  <a:noFill/>
+                </a:ln>
+                <a:solidFill>
+                  <a:srgbClr val="A9B7C6"/>
+                </a:solidFill>
+                <a:effectLst/>
+                <a:latin typeface="Consolas" panose="020B0609020204030204" pitchFamily="49" charset="0"/>
+              </a:rPr>
+              <a:t>    </a:t>
+            </a:r>
+            <a:r>
+              <a:rPr kumimoji="0" lang="ko-KR" altLang="ko-KR" sz="1000" b="0" i="0" u="none" strike="noStrike" cap="none" normalizeH="0" baseline="0" dirty="0" err="1">
+                <a:ln>
+                  <a:noFill/>
+                </a:ln>
+                <a:solidFill>
+                  <a:srgbClr val="CC7832"/>
+                </a:solidFill>
+                <a:effectLst/>
+                <a:latin typeface="Consolas" panose="020B0609020204030204" pitchFamily="49" charset="0"/>
+              </a:rPr>
+              <a:t>val</a:t>
+            </a:r>
+            <a:r>
+              <a:rPr kumimoji="0" lang="ko-KR" altLang="ko-KR" sz="1000" b="0" i="0" u="none" strike="noStrike" cap="none" normalizeH="0" baseline="0" dirty="0">
+                <a:ln>
+                  <a:noFill/>
+                </a:ln>
+                <a:solidFill>
+                  <a:srgbClr val="CC7832"/>
+                </a:solidFill>
+                <a:effectLst/>
+                <a:latin typeface="Consolas" panose="020B0609020204030204" pitchFamily="49" charset="0"/>
+              </a:rPr>
+              <a:t> </a:t>
+            </a:r>
+            <a:r>
+              <a:rPr kumimoji="0" lang="ko-KR" altLang="ko-KR" sz="1000" b="0" i="0" u="none" strike="noStrike" cap="none" normalizeH="0" baseline="0" dirty="0" err="1">
+                <a:ln>
+                  <a:noFill/>
+                </a:ln>
+                <a:solidFill>
+                  <a:srgbClr val="A9B7C6"/>
+                </a:solidFill>
+                <a:effectLst/>
+                <a:latin typeface="Consolas" panose="020B0609020204030204" pitchFamily="49" charset="0"/>
+              </a:rPr>
+              <a:t>intelligence</a:t>
+            </a:r>
+            <a:r>
+              <a:rPr kumimoji="0" lang="ko-KR" altLang="ko-KR" sz="1000" b="0" i="0" u="none" strike="noStrike" cap="none" normalizeH="0" baseline="0" dirty="0">
+                <a:ln>
+                  <a:noFill/>
+                </a:ln>
+                <a:solidFill>
+                  <a:srgbClr val="A9B7C6"/>
+                </a:solidFill>
+                <a:effectLst/>
+                <a:latin typeface="Consolas" panose="020B0609020204030204" pitchFamily="49" charset="0"/>
+              </a:rPr>
+              <a:t>: </a:t>
+            </a:r>
+            <a:r>
+              <a:rPr kumimoji="0" lang="ko-KR" altLang="ko-KR" sz="1000" b="0" i="0" u="none" strike="noStrike" cap="none" normalizeH="0" baseline="0" dirty="0" err="1">
+                <a:ln>
+                  <a:noFill/>
+                </a:ln>
+                <a:solidFill>
+                  <a:srgbClr val="A9B7C6"/>
+                </a:solidFill>
+                <a:effectLst/>
+                <a:latin typeface="Consolas" panose="020B0609020204030204" pitchFamily="49" charset="0"/>
+              </a:rPr>
+              <a:t>Int</a:t>
+            </a:r>
+            <a:r>
+              <a:rPr kumimoji="0" lang="ko-KR" altLang="ko-KR" sz="1000" b="0" i="0" u="none" strike="noStrike" cap="none" normalizeH="0" baseline="0" dirty="0">
+                <a:ln>
+                  <a:noFill/>
+                </a:ln>
+                <a:solidFill>
+                  <a:srgbClr val="A9B7C6"/>
+                </a:solidFill>
+                <a:effectLst/>
+                <a:latin typeface="Consolas" panose="020B0609020204030204" pitchFamily="49" charset="0"/>
+              </a:rPr>
+              <a:t> = </a:t>
+            </a:r>
+            <a:br>
+              <a:rPr kumimoji="0" lang="ko-KR" altLang="ko-KR" sz="1000" b="0" i="0" u="none" strike="noStrike" cap="none" normalizeH="0" baseline="0" dirty="0">
+                <a:ln>
+                  <a:noFill/>
+                </a:ln>
+                <a:solidFill>
+                  <a:srgbClr val="A9B7C6"/>
+                </a:solidFill>
+                <a:effectLst/>
+                <a:latin typeface="Consolas" panose="020B0609020204030204" pitchFamily="49" charset="0"/>
+              </a:rPr>
+            </a:br>
+            <a:r>
+              <a:rPr kumimoji="0" lang="ko-KR" altLang="ko-KR" sz="1000" b="0" i="0" u="none" strike="noStrike" cap="none" normalizeH="0" baseline="0" dirty="0">
+                <a:ln>
+                  <a:noFill/>
+                </a:ln>
+                <a:solidFill>
+                  <a:srgbClr val="A9B7C6"/>
+                </a:solidFill>
+                <a:effectLst/>
+                <a:latin typeface="Consolas" panose="020B0609020204030204" pitchFamily="49" charset="0"/>
+              </a:rPr>
+              <a:t>    </a:t>
+            </a:r>
+            <a:r>
+              <a:rPr kumimoji="0" lang="ko-KR" altLang="ko-KR" sz="1000" b="0" i="0" u="none" strike="noStrike" cap="none" normalizeH="0" baseline="0" dirty="0" err="1">
+                <a:ln>
+                  <a:noFill/>
+                </a:ln>
+                <a:solidFill>
+                  <a:srgbClr val="CC7832"/>
+                </a:solidFill>
+                <a:effectLst/>
+                <a:latin typeface="Consolas" panose="020B0609020204030204" pitchFamily="49" charset="0"/>
+              </a:rPr>
+              <a:t>val</a:t>
+            </a:r>
+            <a:r>
+              <a:rPr kumimoji="0" lang="ko-KR" altLang="ko-KR" sz="1000" b="0" i="0" u="none" strike="noStrike" cap="none" normalizeH="0" baseline="0" dirty="0">
+                <a:ln>
+                  <a:noFill/>
+                </a:ln>
+                <a:solidFill>
+                  <a:srgbClr val="CC7832"/>
+                </a:solidFill>
+                <a:effectLst/>
+                <a:latin typeface="Consolas" panose="020B0609020204030204" pitchFamily="49" charset="0"/>
+              </a:rPr>
+              <a:t> </a:t>
+            </a:r>
+            <a:r>
+              <a:rPr kumimoji="0" lang="ko-KR" altLang="ko-KR" sz="1000" b="0" i="0" u="none" strike="noStrike" cap="none" normalizeH="0" baseline="0" dirty="0" err="1">
+                <a:ln>
+                  <a:noFill/>
+                </a:ln>
+                <a:solidFill>
+                  <a:srgbClr val="A9B7C6"/>
+                </a:solidFill>
+                <a:effectLst/>
+                <a:latin typeface="Consolas" panose="020B0609020204030204" pitchFamily="49" charset="0"/>
+              </a:rPr>
+              <a:t>wisdom</a:t>
+            </a:r>
+            <a:r>
+              <a:rPr kumimoji="0" lang="ko-KR" altLang="ko-KR" sz="1000" b="0" i="0" u="none" strike="noStrike" cap="none" normalizeH="0" baseline="0" dirty="0">
+                <a:ln>
+                  <a:noFill/>
+                </a:ln>
+                <a:solidFill>
+                  <a:srgbClr val="A9B7C6"/>
+                </a:solidFill>
+                <a:effectLst/>
+                <a:latin typeface="Consolas" panose="020B0609020204030204" pitchFamily="49" charset="0"/>
+              </a:rPr>
+              <a:t>: </a:t>
+            </a:r>
+            <a:r>
+              <a:rPr kumimoji="0" lang="ko-KR" altLang="ko-KR" sz="1000" b="0" i="0" u="none" strike="noStrike" cap="none" normalizeH="0" baseline="0" dirty="0" err="1">
+                <a:ln>
+                  <a:noFill/>
+                </a:ln>
+                <a:solidFill>
+                  <a:srgbClr val="A9B7C6"/>
+                </a:solidFill>
+                <a:effectLst/>
+                <a:latin typeface="Consolas" panose="020B0609020204030204" pitchFamily="49" charset="0"/>
+              </a:rPr>
+              <a:t>Int</a:t>
+            </a:r>
+            <a:r>
+              <a:rPr kumimoji="0" lang="ko-KR" altLang="ko-KR" sz="1000" b="0" i="0" u="none" strike="noStrike" cap="none" normalizeH="0" baseline="0" dirty="0">
+                <a:ln>
+                  <a:noFill/>
+                </a:ln>
+                <a:solidFill>
+                  <a:srgbClr val="A9B7C6"/>
+                </a:solidFill>
+                <a:effectLst/>
+                <a:latin typeface="Consolas" panose="020B0609020204030204" pitchFamily="49" charset="0"/>
+              </a:rPr>
+              <a:t> = </a:t>
+            </a:r>
+            <a:br>
+              <a:rPr kumimoji="0" lang="ko-KR" altLang="ko-KR" sz="1000" b="0" i="0" u="none" strike="noStrike" cap="none" normalizeH="0" baseline="0" dirty="0">
+                <a:ln>
+                  <a:noFill/>
+                </a:ln>
+                <a:solidFill>
+                  <a:srgbClr val="A9B7C6"/>
+                </a:solidFill>
+                <a:effectLst/>
+                <a:latin typeface="Consolas" panose="020B0609020204030204" pitchFamily="49" charset="0"/>
+              </a:rPr>
+            </a:br>
+            <a:r>
+              <a:rPr kumimoji="0" lang="ko-KR" altLang="ko-KR" sz="1000" b="0" i="0" u="none" strike="noStrike" cap="none" normalizeH="0" baseline="0" dirty="0">
+                <a:ln>
+                  <a:noFill/>
+                </a:ln>
+                <a:solidFill>
+                  <a:srgbClr val="A9B7C6"/>
+                </a:solidFill>
+                <a:effectLst/>
+                <a:latin typeface="Consolas" panose="020B0609020204030204" pitchFamily="49" charset="0"/>
+              </a:rPr>
+              <a:t>    </a:t>
+            </a:r>
+            <a:r>
+              <a:rPr kumimoji="0" lang="ko-KR" altLang="ko-KR" sz="1000" b="0" i="0" u="none" strike="noStrike" cap="none" normalizeH="0" baseline="0" dirty="0" err="1">
+                <a:ln>
+                  <a:noFill/>
+                </a:ln>
+                <a:solidFill>
+                  <a:srgbClr val="CC7832"/>
+                </a:solidFill>
+                <a:effectLst/>
+                <a:latin typeface="Consolas" panose="020B0609020204030204" pitchFamily="49" charset="0"/>
+              </a:rPr>
+              <a:t>val</a:t>
+            </a:r>
+            <a:r>
+              <a:rPr kumimoji="0" lang="ko-KR" altLang="ko-KR" sz="1000" b="0" i="0" u="none" strike="noStrike" cap="none" normalizeH="0" baseline="0" dirty="0">
+                <a:ln>
+                  <a:noFill/>
+                </a:ln>
+                <a:solidFill>
+                  <a:srgbClr val="CC7832"/>
+                </a:solidFill>
+                <a:effectLst/>
+                <a:latin typeface="Consolas" panose="020B0609020204030204" pitchFamily="49" charset="0"/>
+              </a:rPr>
+              <a:t> </a:t>
+            </a:r>
+            <a:r>
+              <a:rPr kumimoji="0" lang="ko-KR" altLang="ko-KR" sz="1000" b="0" i="0" u="none" strike="noStrike" cap="none" normalizeH="0" baseline="0" dirty="0" err="1">
+                <a:ln>
+                  <a:noFill/>
+                </a:ln>
+                <a:solidFill>
+                  <a:srgbClr val="A9B7C6"/>
+                </a:solidFill>
+                <a:effectLst/>
+                <a:latin typeface="Consolas" panose="020B0609020204030204" pitchFamily="49" charset="0"/>
+              </a:rPr>
+              <a:t>charisma</a:t>
+            </a:r>
+            <a:r>
+              <a:rPr kumimoji="0" lang="ko-KR" altLang="ko-KR" sz="1000" b="0" i="0" u="none" strike="noStrike" cap="none" normalizeH="0" baseline="0" dirty="0">
+                <a:ln>
+                  <a:noFill/>
+                </a:ln>
+                <a:solidFill>
+                  <a:srgbClr val="A9B7C6"/>
+                </a:solidFill>
+                <a:effectLst/>
+                <a:latin typeface="Consolas" panose="020B0609020204030204" pitchFamily="49" charset="0"/>
+              </a:rPr>
+              <a:t>: </a:t>
+            </a:r>
+            <a:r>
+              <a:rPr kumimoji="0" lang="ko-KR" altLang="ko-KR" sz="1000" b="0" i="0" u="none" strike="noStrike" cap="none" normalizeH="0" baseline="0" dirty="0" err="1">
+                <a:ln>
+                  <a:noFill/>
+                </a:ln>
+                <a:solidFill>
+                  <a:srgbClr val="A9B7C6"/>
+                </a:solidFill>
+                <a:effectLst/>
+                <a:latin typeface="Consolas" panose="020B0609020204030204" pitchFamily="49" charset="0"/>
+              </a:rPr>
+              <a:t>Int</a:t>
+            </a:r>
+            <a:r>
+              <a:rPr kumimoji="0" lang="ko-KR" altLang="ko-KR" sz="1000" b="0" i="0" u="none" strike="noStrike" cap="none" normalizeH="0" baseline="0" dirty="0">
+                <a:ln>
+                  <a:noFill/>
+                </a:ln>
+                <a:solidFill>
+                  <a:srgbClr val="A9B7C6"/>
+                </a:solidFill>
+                <a:effectLst/>
+                <a:latin typeface="Consolas" panose="020B0609020204030204" pitchFamily="49" charset="0"/>
+              </a:rPr>
+              <a:t> =</a:t>
+            </a:r>
+            <a:br>
+              <a:rPr kumimoji="0" lang="ko-KR" altLang="ko-KR" sz="1000" b="0" i="0" u="none" strike="noStrike" cap="none" normalizeH="0" baseline="0" dirty="0">
+                <a:ln>
+                  <a:noFill/>
+                </a:ln>
+                <a:solidFill>
+                  <a:srgbClr val="A9B7C6"/>
+                </a:solidFill>
+                <a:effectLst/>
+                <a:latin typeface="Consolas" panose="020B0609020204030204" pitchFamily="49" charset="0"/>
+              </a:rPr>
+            </a:br>
+            <a:r>
+              <a:rPr kumimoji="0" lang="ko-KR" altLang="ko-KR" sz="1000" b="0" i="0" u="none" strike="noStrike" cap="none" normalizeH="0" baseline="0" dirty="0">
+                <a:ln>
+                  <a:noFill/>
+                </a:ln>
+                <a:solidFill>
+                  <a:srgbClr val="A9B7C6"/>
+                </a:solidFill>
+                <a:effectLst/>
+                <a:latin typeface="Consolas" panose="020B0609020204030204" pitchFamily="49" charset="0"/>
+              </a:rPr>
+              <a:t>    </a:t>
+            </a:r>
+            <a:r>
+              <a:rPr kumimoji="0" lang="ko-KR" altLang="ko-KR" sz="1000" b="0" i="0" u="none" strike="noStrike" cap="none" normalizeH="0" baseline="0" dirty="0" err="1">
+                <a:ln>
+                  <a:noFill/>
+                </a:ln>
+                <a:solidFill>
+                  <a:srgbClr val="CC7832"/>
+                </a:solidFill>
+                <a:effectLst/>
+                <a:latin typeface="Consolas" panose="020B0609020204030204" pitchFamily="49" charset="0"/>
+              </a:rPr>
+              <a:t>val</a:t>
+            </a:r>
+            <a:r>
+              <a:rPr kumimoji="0" lang="ko-KR" altLang="ko-KR" sz="1000" b="0" i="0" u="none" strike="noStrike" cap="none" normalizeH="0" baseline="0" dirty="0">
+                <a:ln>
+                  <a:noFill/>
+                </a:ln>
+                <a:solidFill>
+                  <a:srgbClr val="CC7832"/>
+                </a:solidFill>
+                <a:effectLst/>
+                <a:latin typeface="Consolas" panose="020B0609020204030204" pitchFamily="49" charset="0"/>
+              </a:rPr>
+              <a:t> </a:t>
+            </a:r>
+            <a:r>
+              <a:rPr kumimoji="0" lang="ko-KR" altLang="ko-KR" sz="1000" b="0" i="0" u="none" strike="noStrike" cap="none" normalizeH="0" baseline="0" dirty="0" err="1">
+                <a:ln>
+                  <a:noFill/>
+                </a:ln>
+                <a:solidFill>
+                  <a:srgbClr val="A9B7C6"/>
+                </a:solidFill>
+                <a:effectLst/>
+                <a:latin typeface="Consolas" panose="020B0609020204030204" pitchFamily="49" charset="0"/>
+              </a:rPr>
+              <a:t>hitpoints</a:t>
+            </a:r>
+            <a:r>
+              <a:rPr kumimoji="0" lang="ko-KR" altLang="ko-KR" sz="1000" b="0" i="0" u="none" strike="noStrike" cap="none" normalizeH="0" baseline="0" dirty="0">
+                <a:ln>
+                  <a:noFill/>
+                </a:ln>
+                <a:solidFill>
+                  <a:srgbClr val="A9B7C6"/>
+                </a:solidFill>
+                <a:effectLst/>
+                <a:latin typeface="Consolas" panose="020B0609020204030204" pitchFamily="49" charset="0"/>
+              </a:rPr>
+              <a:t>: </a:t>
+            </a:r>
+            <a:r>
+              <a:rPr kumimoji="0" lang="ko-KR" altLang="ko-KR" sz="1000" b="0" i="0" u="none" strike="noStrike" cap="none" normalizeH="0" baseline="0" dirty="0" err="1">
+                <a:ln>
+                  <a:noFill/>
+                </a:ln>
+                <a:solidFill>
+                  <a:srgbClr val="A9B7C6"/>
+                </a:solidFill>
+                <a:effectLst/>
+                <a:latin typeface="Consolas" panose="020B0609020204030204" pitchFamily="49" charset="0"/>
+              </a:rPr>
+              <a:t>Int</a:t>
+            </a:r>
+            <a:r>
+              <a:rPr kumimoji="0" lang="ko-KR" altLang="ko-KR" sz="1000" b="0" i="0" u="none" strike="noStrike" cap="none" normalizeH="0" baseline="0" dirty="0">
+                <a:ln>
+                  <a:noFill/>
+                </a:ln>
+                <a:solidFill>
+                  <a:srgbClr val="A9B7C6"/>
+                </a:solidFill>
+                <a:effectLst/>
+                <a:latin typeface="Consolas" panose="020B0609020204030204" pitchFamily="49" charset="0"/>
+              </a:rPr>
+              <a:t> =</a:t>
+            </a:r>
+            <a:br>
+              <a:rPr kumimoji="0" lang="ko-KR" altLang="ko-KR" sz="1000" b="0" i="0" u="none" strike="noStrike" cap="none" normalizeH="0" baseline="0" dirty="0">
+                <a:ln>
+                  <a:noFill/>
+                </a:ln>
+                <a:solidFill>
+                  <a:srgbClr val="A9B7C6"/>
+                </a:solidFill>
+                <a:effectLst/>
+                <a:latin typeface="Consolas" panose="020B0609020204030204" pitchFamily="49" charset="0"/>
+              </a:rPr>
+            </a:br>
+            <a:r>
+              <a:rPr kumimoji="0" lang="ko-KR" altLang="ko-KR" sz="1000" b="0" i="0" u="none" strike="noStrike" cap="none" normalizeH="0" baseline="0" dirty="0">
+                <a:ln>
+                  <a:noFill/>
+                </a:ln>
+                <a:solidFill>
+                  <a:srgbClr val="A9B7C6"/>
+                </a:solidFill>
+                <a:effectLst/>
+                <a:latin typeface="Consolas" panose="020B0609020204030204" pitchFamily="49" charset="0"/>
+              </a:rPr>
+              <a:t>    </a:t>
+            </a:r>
+            <a:r>
+              <a:rPr kumimoji="0" lang="ko-KR" altLang="ko-KR" sz="1000" b="0" i="0" u="none" strike="noStrike" cap="none" normalizeH="0" baseline="0" dirty="0" err="1">
+                <a:ln>
+                  <a:noFill/>
+                </a:ln>
+                <a:solidFill>
+                  <a:srgbClr val="CC7832"/>
+                </a:solidFill>
+                <a:effectLst/>
+                <a:latin typeface="Consolas" panose="020B0609020204030204" pitchFamily="49" charset="0"/>
+              </a:rPr>
+              <a:t>companion</a:t>
+            </a:r>
+            <a:r>
+              <a:rPr kumimoji="0" lang="ko-KR" altLang="ko-KR" sz="1000" b="0" i="0" u="none" strike="noStrike" cap="none" normalizeH="0" baseline="0" dirty="0">
+                <a:ln>
+                  <a:noFill/>
+                </a:ln>
+                <a:solidFill>
+                  <a:srgbClr val="CC7832"/>
+                </a:solidFill>
+                <a:effectLst/>
+                <a:latin typeface="Consolas" panose="020B0609020204030204" pitchFamily="49" charset="0"/>
+              </a:rPr>
+              <a:t> </a:t>
+            </a:r>
+            <a:r>
+              <a:rPr kumimoji="0" lang="ko-KR" altLang="ko-KR" sz="1000" b="0" i="0" u="none" strike="noStrike" cap="none" normalizeH="0" baseline="0" dirty="0" err="1">
+                <a:ln>
+                  <a:noFill/>
+                </a:ln>
+                <a:solidFill>
+                  <a:srgbClr val="CC7832"/>
+                </a:solidFill>
+                <a:effectLst/>
+                <a:latin typeface="Consolas" panose="020B0609020204030204" pitchFamily="49" charset="0"/>
+              </a:rPr>
+              <a:t>object</a:t>
+            </a:r>
+            <a:r>
+              <a:rPr kumimoji="0" lang="ko-KR" altLang="ko-KR" sz="1000" b="0" i="0" u="none" strike="noStrike" cap="none" normalizeH="0" baseline="0" dirty="0">
+                <a:ln>
+                  <a:noFill/>
+                </a:ln>
+                <a:solidFill>
+                  <a:srgbClr val="CC7832"/>
+                </a:solidFill>
+                <a:effectLst/>
+                <a:latin typeface="Consolas" panose="020B0609020204030204" pitchFamily="49" charset="0"/>
+              </a:rPr>
+              <a:t> </a:t>
+            </a:r>
+            <a:r>
+              <a:rPr kumimoji="0" lang="ko-KR" altLang="ko-KR" sz="1000" b="0" i="0" u="none" strike="noStrike" cap="none" normalizeH="0" baseline="0" dirty="0">
+                <a:ln>
+                  <a:noFill/>
+                </a:ln>
+                <a:solidFill>
+                  <a:srgbClr val="A9B7C6"/>
+                </a:solidFill>
+                <a:effectLst/>
+                <a:latin typeface="Consolas" panose="020B0609020204030204" pitchFamily="49" charset="0"/>
+              </a:rPr>
+              <a:t>{</a:t>
+            </a:r>
+            <a:br>
+              <a:rPr kumimoji="0" lang="ko-KR" altLang="ko-KR" sz="1000" b="0" i="0" u="none" strike="noStrike" cap="none" normalizeH="0" baseline="0" dirty="0">
+                <a:ln>
+                  <a:noFill/>
+                </a:ln>
+                <a:solidFill>
+                  <a:srgbClr val="A9B7C6"/>
+                </a:solidFill>
+                <a:effectLst/>
+                <a:latin typeface="Consolas" panose="020B0609020204030204" pitchFamily="49" charset="0"/>
+              </a:rPr>
+            </a:br>
+            <a:br>
+              <a:rPr kumimoji="0" lang="ko-KR" altLang="ko-KR" sz="1000" b="0" i="0" u="none" strike="noStrike" cap="none" normalizeH="0" baseline="0" dirty="0">
+                <a:ln>
+                  <a:noFill/>
+                </a:ln>
+                <a:solidFill>
+                  <a:srgbClr val="A9B7C6"/>
+                </a:solidFill>
+                <a:effectLst/>
+                <a:latin typeface="Consolas" panose="020B0609020204030204" pitchFamily="49" charset="0"/>
+              </a:rPr>
+            </a:br>
+            <a:r>
+              <a:rPr kumimoji="0" lang="ko-KR" altLang="ko-KR" sz="1000" b="0" i="0" u="none" strike="noStrike" cap="none" normalizeH="0" baseline="0" dirty="0">
+                <a:ln>
+                  <a:noFill/>
+                </a:ln>
+                <a:solidFill>
+                  <a:srgbClr val="A9B7C6"/>
+                </a:solidFill>
+                <a:effectLst/>
+                <a:latin typeface="Consolas" panose="020B0609020204030204" pitchFamily="49" charset="0"/>
+              </a:rPr>
+              <a:t>        </a:t>
+            </a:r>
+            <a:r>
+              <a:rPr kumimoji="0" lang="ko-KR" altLang="ko-KR" sz="1000" b="0" i="0" u="none" strike="noStrike" cap="none" normalizeH="0" baseline="0" dirty="0" err="1">
+                <a:ln>
+                  <a:noFill/>
+                </a:ln>
+                <a:solidFill>
+                  <a:srgbClr val="CC7832"/>
+                </a:solidFill>
+                <a:effectLst/>
+                <a:latin typeface="Consolas" panose="020B0609020204030204" pitchFamily="49" charset="0"/>
+              </a:rPr>
+              <a:t>fun</a:t>
+            </a:r>
+            <a:r>
+              <a:rPr kumimoji="0" lang="ko-KR" altLang="ko-KR" sz="1000" b="0" i="0" u="none" strike="noStrike" cap="none" normalizeH="0" baseline="0" dirty="0">
+                <a:ln>
+                  <a:noFill/>
+                </a:ln>
+                <a:solidFill>
+                  <a:srgbClr val="CC7832"/>
+                </a:solidFill>
+                <a:effectLst/>
+                <a:latin typeface="Consolas" panose="020B0609020204030204" pitchFamily="49" charset="0"/>
+              </a:rPr>
+              <a:t> </a:t>
+            </a:r>
+            <a:r>
+              <a:rPr kumimoji="0" lang="ko-KR" altLang="ko-KR" sz="1000" b="0" i="0" u="none" strike="noStrike" cap="none" normalizeH="0" baseline="0" dirty="0" err="1">
+                <a:ln>
+                  <a:noFill/>
+                </a:ln>
+                <a:solidFill>
+                  <a:srgbClr val="A9B7C6"/>
+                </a:solidFill>
+                <a:effectLst/>
+                <a:latin typeface="Consolas" panose="020B0609020204030204" pitchFamily="49" charset="0"/>
+              </a:rPr>
+              <a:t>ability</a:t>
+            </a:r>
+            <a:r>
+              <a:rPr kumimoji="0" lang="ko-KR" altLang="ko-KR" sz="1000" b="0" i="0" u="none" strike="noStrike" cap="none" normalizeH="0" baseline="0" dirty="0">
+                <a:ln>
+                  <a:noFill/>
+                </a:ln>
+                <a:solidFill>
+                  <a:srgbClr val="A9B7C6"/>
+                </a:solidFill>
+                <a:effectLst/>
+                <a:latin typeface="Consolas" panose="020B0609020204030204" pitchFamily="49" charset="0"/>
+              </a:rPr>
+              <a:t>(): </a:t>
+            </a:r>
+            <a:r>
+              <a:rPr kumimoji="0" lang="ko-KR" altLang="ko-KR" sz="1000" b="0" i="0" u="none" strike="noStrike" cap="none" normalizeH="0" baseline="0" dirty="0" err="1">
+                <a:ln>
+                  <a:noFill/>
+                </a:ln>
+                <a:solidFill>
+                  <a:srgbClr val="A9B7C6"/>
+                </a:solidFill>
+                <a:effectLst/>
+                <a:latin typeface="Consolas" panose="020B0609020204030204" pitchFamily="49" charset="0"/>
+              </a:rPr>
+              <a:t>Int</a:t>
+            </a:r>
+            <a:r>
+              <a:rPr kumimoji="0" lang="ko-KR" altLang="ko-KR" sz="1000" b="0" i="0" u="none" strike="noStrike" cap="none" normalizeH="0" baseline="0" dirty="0">
+                <a:ln>
+                  <a:noFill/>
+                </a:ln>
+                <a:solidFill>
+                  <a:srgbClr val="A9B7C6"/>
+                </a:solidFill>
+                <a:effectLst/>
+                <a:latin typeface="Consolas" panose="020B0609020204030204" pitchFamily="49" charset="0"/>
+              </a:rPr>
+              <a:t> =</a:t>
+            </a:r>
+            <a:br>
+              <a:rPr kumimoji="0" lang="ko-KR" altLang="ko-KR" sz="1000" b="0" i="0" u="none" strike="noStrike" cap="none" normalizeH="0" baseline="0" dirty="0">
+                <a:ln>
+                  <a:noFill/>
+                </a:ln>
+                <a:solidFill>
+                  <a:srgbClr val="A9B7C6"/>
+                </a:solidFill>
+                <a:effectLst/>
+                <a:latin typeface="Consolas" panose="020B0609020204030204" pitchFamily="49" charset="0"/>
+              </a:rPr>
+            </a:br>
+            <a:endParaRPr kumimoji="0" lang="en-US" altLang="ko-KR" sz="1000" b="0" i="0" u="none" strike="noStrike" cap="none" normalizeH="0" baseline="0" dirty="0">
+              <a:ln>
+                <a:noFill/>
+              </a:ln>
+              <a:solidFill>
+                <a:srgbClr val="A9B7C6"/>
+              </a:solidFill>
+              <a:effectLst/>
+              <a:latin typeface="Consolas" panose="020B0609020204030204" pitchFamily="49" charset="0"/>
+            </a:endParaRPr>
+          </a:p>
+          <a:p>
+            <a:pPr marL="0" marR="0" lvl="0" indent="0" algn="l" defTabSz="914400" rtl="0" eaLnBrk="0" fontAlgn="base" latinLnBrk="0" hangingPunct="0">
+              <a:lnSpc>
+                <a:spcPct val="100000"/>
+              </a:lnSpc>
+              <a:spcBef>
+                <a:spcPct val="0"/>
+              </a:spcBef>
+              <a:spcAft>
+                <a:spcPct val="0"/>
+              </a:spcAft>
+              <a:buClrTx/>
+              <a:buSzTx/>
+              <a:buFontTx/>
+              <a:buNone/>
+              <a:tabLst/>
+            </a:pPr>
+            <a:br>
+              <a:rPr kumimoji="0" lang="ko-KR" altLang="ko-KR" sz="1000" b="0" i="0" u="none" strike="noStrike" cap="none" normalizeH="0" baseline="0" dirty="0">
+                <a:ln>
+                  <a:noFill/>
+                </a:ln>
+                <a:solidFill>
+                  <a:srgbClr val="A9B7C6"/>
+                </a:solidFill>
+                <a:effectLst/>
+                <a:latin typeface="Consolas" panose="020B0609020204030204" pitchFamily="49" charset="0"/>
+              </a:rPr>
+            </a:br>
+            <a:r>
+              <a:rPr kumimoji="0" lang="ko-KR" altLang="ko-KR" sz="1000" b="0" i="0" u="none" strike="noStrike" cap="none" normalizeH="0" baseline="0" dirty="0">
+                <a:ln>
+                  <a:noFill/>
+                </a:ln>
+                <a:solidFill>
+                  <a:srgbClr val="A9B7C6"/>
+                </a:solidFill>
+                <a:effectLst/>
+                <a:latin typeface="Consolas" panose="020B0609020204030204" pitchFamily="49" charset="0"/>
+              </a:rPr>
+              <a:t>        </a:t>
+            </a:r>
+            <a:r>
+              <a:rPr kumimoji="0" lang="ko-KR" altLang="ko-KR" sz="1000" b="0" i="0" u="none" strike="noStrike" cap="none" normalizeH="0" baseline="0" dirty="0" err="1">
+                <a:ln>
+                  <a:noFill/>
+                </a:ln>
+                <a:solidFill>
+                  <a:srgbClr val="CC7832"/>
+                </a:solidFill>
+                <a:effectLst/>
+                <a:latin typeface="Consolas" panose="020B0609020204030204" pitchFamily="49" charset="0"/>
+              </a:rPr>
+              <a:t>fun</a:t>
+            </a:r>
+            <a:r>
+              <a:rPr kumimoji="0" lang="ko-KR" altLang="ko-KR" sz="1000" b="0" i="0" u="none" strike="noStrike" cap="none" normalizeH="0" baseline="0" dirty="0">
+                <a:ln>
+                  <a:noFill/>
+                </a:ln>
+                <a:solidFill>
+                  <a:srgbClr val="CC7832"/>
+                </a:solidFill>
+                <a:effectLst/>
+                <a:latin typeface="Consolas" panose="020B0609020204030204" pitchFamily="49" charset="0"/>
+              </a:rPr>
+              <a:t> </a:t>
+            </a:r>
+            <a:r>
+              <a:rPr kumimoji="0" lang="ko-KR" altLang="ko-KR" sz="1000" b="0" i="0" u="none" strike="noStrike" cap="none" normalizeH="0" baseline="0" dirty="0" err="1">
+                <a:ln>
+                  <a:noFill/>
+                </a:ln>
+                <a:solidFill>
+                  <a:srgbClr val="A9B7C6"/>
+                </a:solidFill>
+                <a:effectLst/>
+                <a:latin typeface="Consolas" panose="020B0609020204030204" pitchFamily="49" charset="0"/>
+              </a:rPr>
+              <a:t>modifier</a:t>
+            </a:r>
+            <a:r>
+              <a:rPr kumimoji="0" lang="ko-KR" altLang="ko-KR" sz="1000" b="0" i="0" u="none" strike="noStrike" cap="none" normalizeH="0" baseline="0" dirty="0">
+                <a:ln>
+                  <a:noFill/>
+                </a:ln>
+                <a:solidFill>
+                  <a:srgbClr val="A9B7C6"/>
+                </a:solidFill>
+                <a:effectLst/>
+                <a:latin typeface="Consolas" panose="020B0609020204030204" pitchFamily="49" charset="0"/>
+              </a:rPr>
+              <a:t>(</a:t>
+            </a:r>
+            <a:r>
+              <a:rPr kumimoji="0" lang="ko-KR" altLang="ko-KR" sz="1000" b="0" i="0" u="none" strike="noStrike" cap="none" normalizeH="0" baseline="0" dirty="0" err="1">
+                <a:ln>
+                  <a:noFill/>
+                </a:ln>
+                <a:solidFill>
+                  <a:srgbClr val="A9B7C6"/>
+                </a:solidFill>
+                <a:effectLst/>
+                <a:latin typeface="Consolas" panose="020B0609020204030204" pitchFamily="49" charset="0"/>
+              </a:rPr>
+              <a:t>score</a:t>
+            </a:r>
+            <a:r>
+              <a:rPr kumimoji="0" lang="ko-KR" altLang="ko-KR" sz="1000" b="0" i="0" u="none" strike="noStrike" cap="none" normalizeH="0" baseline="0" dirty="0">
+                <a:ln>
+                  <a:noFill/>
+                </a:ln>
+                <a:solidFill>
+                  <a:srgbClr val="A9B7C6"/>
+                </a:solidFill>
+                <a:effectLst/>
+                <a:latin typeface="Consolas" panose="020B0609020204030204" pitchFamily="49" charset="0"/>
+              </a:rPr>
+              <a:t>: </a:t>
+            </a:r>
+            <a:r>
+              <a:rPr kumimoji="0" lang="ko-KR" altLang="ko-KR" sz="1000" b="0" i="0" u="none" strike="noStrike" cap="none" normalizeH="0" baseline="0" dirty="0" err="1">
+                <a:ln>
+                  <a:noFill/>
+                </a:ln>
+                <a:solidFill>
+                  <a:srgbClr val="A9B7C6"/>
+                </a:solidFill>
+                <a:effectLst/>
+                <a:latin typeface="Consolas" panose="020B0609020204030204" pitchFamily="49" charset="0"/>
+              </a:rPr>
+              <a:t>Int</a:t>
+            </a:r>
+            <a:r>
+              <a:rPr kumimoji="0" lang="ko-KR" altLang="ko-KR" sz="1000" b="0" i="0" u="none" strike="noStrike" cap="none" normalizeH="0" baseline="0" dirty="0">
+                <a:ln>
+                  <a:noFill/>
+                </a:ln>
+                <a:solidFill>
+                  <a:srgbClr val="A9B7C6"/>
+                </a:solidFill>
+                <a:effectLst/>
+                <a:latin typeface="Consolas" panose="020B0609020204030204" pitchFamily="49" charset="0"/>
+              </a:rPr>
+              <a:t>): </a:t>
+            </a:r>
+            <a:r>
+              <a:rPr kumimoji="0" lang="ko-KR" altLang="ko-KR" sz="1000" b="0" i="0" u="none" strike="noStrike" cap="none" normalizeH="0" baseline="0" dirty="0" err="1">
+                <a:ln>
+                  <a:noFill/>
+                </a:ln>
+                <a:solidFill>
+                  <a:srgbClr val="A9B7C6"/>
+                </a:solidFill>
+                <a:effectLst/>
+                <a:latin typeface="Consolas" panose="020B0609020204030204" pitchFamily="49" charset="0"/>
+              </a:rPr>
+              <a:t>Int</a:t>
+            </a:r>
+            <a:r>
+              <a:rPr kumimoji="0" lang="ko-KR" altLang="ko-KR" sz="1000" b="0" i="0" u="none" strike="noStrike" cap="none" normalizeH="0" baseline="0" dirty="0">
+                <a:ln>
+                  <a:noFill/>
+                </a:ln>
+                <a:solidFill>
+                  <a:srgbClr val="A9B7C6"/>
+                </a:solidFill>
+                <a:effectLst/>
+                <a:latin typeface="Consolas" panose="020B0609020204030204" pitchFamily="49" charset="0"/>
+              </a:rPr>
+              <a:t> =</a:t>
+            </a:r>
+            <a:br>
+              <a:rPr kumimoji="0" lang="ko-KR" altLang="ko-KR" sz="1000" b="0" i="0" u="none" strike="noStrike" cap="none" normalizeH="0" baseline="0" dirty="0">
+                <a:ln>
+                  <a:noFill/>
+                </a:ln>
+                <a:solidFill>
+                  <a:srgbClr val="6897BB"/>
+                </a:solidFill>
+                <a:effectLst/>
+                <a:latin typeface="Consolas" panose="020B0609020204030204" pitchFamily="49" charset="0"/>
+              </a:rPr>
+            </a:br>
+            <a:r>
+              <a:rPr kumimoji="0" lang="ko-KR" altLang="ko-KR" sz="1000" b="0" i="0" u="none" strike="noStrike" cap="none" normalizeH="0" baseline="0" dirty="0">
+                <a:ln>
+                  <a:noFill/>
+                </a:ln>
+                <a:solidFill>
+                  <a:srgbClr val="6897BB"/>
+                </a:solidFill>
+                <a:effectLst/>
+                <a:latin typeface="Consolas" panose="020B0609020204030204" pitchFamily="49" charset="0"/>
+              </a:rPr>
+              <a:t>    </a:t>
+            </a:r>
+            <a:r>
+              <a:rPr kumimoji="0" lang="ko-KR" altLang="ko-KR" sz="1000" b="0" i="0" u="none" strike="noStrike" cap="none" normalizeH="0" baseline="0" dirty="0">
+                <a:ln>
+                  <a:noFill/>
+                </a:ln>
+                <a:solidFill>
+                  <a:srgbClr val="A9B7C6"/>
+                </a:solidFill>
+                <a:effectLst/>
+                <a:latin typeface="Consolas" panose="020B0609020204030204" pitchFamily="49" charset="0"/>
+              </a:rPr>
+              <a:t>}</a:t>
+            </a:r>
+            <a:br>
+              <a:rPr kumimoji="0" lang="ko-KR" altLang="ko-KR" sz="1000" b="0" i="0" u="none" strike="noStrike" cap="none" normalizeH="0" baseline="0" dirty="0">
+                <a:ln>
+                  <a:noFill/>
+                </a:ln>
+                <a:solidFill>
+                  <a:srgbClr val="A9B7C6"/>
+                </a:solidFill>
+                <a:effectLst/>
+                <a:latin typeface="Consolas" panose="020B0609020204030204" pitchFamily="49" charset="0"/>
+              </a:rPr>
+            </a:br>
+            <a:br>
+              <a:rPr kumimoji="0" lang="ko-KR" altLang="ko-KR" sz="1000" b="0" i="0" u="none" strike="noStrike" cap="none" normalizeH="0" baseline="0" dirty="0">
+                <a:ln>
+                  <a:noFill/>
+                </a:ln>
+                <a:solidFill>
+                  <a:srgbClr val="A9B7C6"/>
+                </a:solidFill>
+                <a:effectLst/>
+                <a:latin typeface="Consolas" panose="020B0609020204030204" pitchFamily="49" charset="0"/>
+              </a:rPr>
+            </a:br>
+            <a:r>
+              <a:rPr kumimoji="0" lang="ko-KR" altLang="ko-KR" sz="1000" b="0" i="0" u="none" strike="noStrike" cap="none" normalizeH="0" baseline="0" dirty="0">
+                <a:ln>
+                  <a:noFill/>
+                </a:ln>
+                <a:solidFill>
+                  <a:srgbClr val="A9B7C6"/>
+                </a:solidFill>
+                <a:effectLst/>
+                <a:latin typeface="Consolas" panose="020B0609020204030204" pitchFamily="49" charset="0"/>
+              </a:rPr>
+              <a:t>}</a:t>
+            </a:r>
+            <a:endParaRPr kumimoji="0" lang="ko-KR" altLang="ko-KR" sz="1000" b="0" i="0" u="none" strike="noStrike" cap="none" normalizeH="0" baseline="0" dirty="0">
+              <a:ln>
+                <a:noFill/>
+              </a:ln>
+              <a:solidFill>
+                <a:schemeClr val="tx1"/>
+              </a:solidFill>
+              <a:effectLst/>
+              <a:latin typeface="Arial" panose="020B0604020202020204" pitchFamily="34" charset="0"/>
+            </a:endParaRPr>
+          </a:p>
+        </p:txBody>
+      </p:sp>
     </p:spTree>
     <p:extLst>
       <p:ext uri="{BB962C8B-B14F-4D97-AF65-F5344CB8AC3E}">
@@ -8658,6 +10121,84 @@
   <p:clrMapOvr>
     <a:masterClrMapping/>
   </p:clrMapOvr>
+  <p:timing>
+    <p:tnLst>
+      <p:par>
+        <p:cTn id="1" dur="indefinite" restart="never" nodeType="tmRoot">
+          <p:childTnLst>
+            <p:seq concurrent="1" nextAc="seek">
+              <p:cTn id="2" dur="indefinite" nodeType="mainSeq">
+                <p:childTnLst>
+                  <p:par>
+                    <p:cTn id="3" fill="hold">
+                      <p:stCondLst>
+                        <p:cond delay="indefinite"/>
+                      </p:stCondLst>
+                      <p:childTnLst>
+                        <p:par>
+                          <p:cTn id="4" fill="hold">
+                            <p:stCondLst>
+                              <p:cond delay="0"/>
+                            </p:stCondLst>
+                            <p:childTnLst>
+                              <p:par>
+                                <p:cTn id="5" presetID="1" presetClass="exit" presetSubtype="0" fill="hold" grpId="0" nodeType="clickEffect">
+                                  <p:stCondLst>
+                                    <p:cond delay="0"/>
+                                  </p:stCondLst>
+                                  <p:childTnLst>
+                                    <p:set>
+                                      <p:cBhvr>
+                                        <p:cTn id="6" dur="1" fill="hold">
+                                          <p:stCondLst>
+                                            <p:cond delay="0"/>
+                                          </p:stCondLst>
+                                        </p:cTn>
+                                        <p:tgtEl>
+                                          <p:spTgt spid="9"/>
+                                        </p:tgtEl>
+                                        <p:attrNameLst>
+                                          <p:attrName>style.visibility</p:attrName>
+                                        </p:attrNameLst>
+                                      </p:cBhvr>
+                                      <p:to>
+                                        <p:strVal val="hidden"/>
+                                      </p:to>
+                                    </p:set>
+                                  </p:childTnLst>
+                                </p:cTn>
+                              </p:par>
+                            </p:childTnLst>
+                          </p:cTn>
+                        </p:par>
+                      </p:childTnLst>
+                    </p:cTn>
+                  </p:par>
+                </p:childTnLst>
+              </p:cTn>
+              <p:prevCondLst>
+                <p:cond evt="onPrev" delay="0">
+                  <p:tgtEl>
+                    <p:sldTgt/>
+                  </p:tgtEl>
+                </p:cond>
+              </p:prevCondLst>
+              <p:nextCondLst>
+                <p:cond evt="onNext" delay="0">
+                  <p:tgtEl>
+                    <p:sldTgt/>
+                  </p:tgtEl>
+                </p:cond>
+              </p:nextCondLst>
+            </p:seq>
+          </p:childTnLst>
+        </p:cTn>
+      </p:par>
+    </p:tnLst>
+    <p:bldLst>
+      <p:bldP spid="9" grpId="0" animBg="1"/>
+    </p:bldLst>
+  </p:timing>
 </p:sld>
 </file>
 
